--- a/Documentation/Revue 4/Presentation_Revue_4.pptx
+++ b/Documentation/Revue 4/Presentation_Revue_4.pptx
@@ -12894,37 +12894,8 @@
                   </a:innerShdw>
                 </a:effectLst>
               </a:rPr>
-              <a:t>Revue </a:t>
+              <a:t>Revue Iteration 4</a:t>
             </a:r>
-            <a:r>
-              <a:rPr lang="en-US" sz="5400" b="1" cap="none" spc="50">
-                <a:ln w="0"/>
-                <a:solidFill>
-                  <a:schemeClr val="bg2"/>
-                </a:solidFill>
-                <a:effectLst>
-                  <a:innerShdw blurRad="63500" dist="50800" dir="13500000">
-                    <a:srgbClr val="000000">
-                      <a:alpha val="50000"/>
-                    </a:srgbClr>
-                  </a:innerShdw>
-                </a:effectLst>
-              </a:rPr>
-              <a:t>Iteration 4</a:t>
-            </a:r>
-            <a:endParaRPr lang="en-US" sz="5400" b="1" cap="none" spc="50" dirty="0">
-              <a:ln w="0"/>
-              <a:solidFill>
-                <a:schemeClr val="bg2"/>
-              </a:solidFill>
-              <a:effectLst>
-                <a:innerShdw blurRad="63500" dist="50800" dir="13500000">
-                  <a:srgbClr val="000000">
-                    <a:alpha val="50000"/>
-                  </a:srgbClr>
-                </a:innerShdw>
-              </a:effectLst>
-            </a:endParaRPr>
           </a:p>
         </p:txBody>
       </p:sp>
@@ -20596,8 +20567,19 @@
           <a:p>
             <a:r>
               <a:rPr lang="fr-CA" dirty="0"/>
-              <a:t>Analyse et transformation des données CSV </a:t>
+              <a:t>Analyse et transformation des données CSV.</a:t>
             </a:r>
+          </a:p>
+          <a:p>
+            <a:r>
+              <a:rPr lang="fr-CA" dirty="0"/>
+              <a:t>Afficher la présence de tous les membres pour </a:t>
+            </a:r>
+            <a:r>
+              <a:rPr lang="fr-CA"/>
+              <a:t>un événement.</a:t>
+            </a:r>
+            <a:endParaRPr lang="fr-CA" dirty="0"/>
           </a:p>
         </p:txBody>
       </p:sp>
